--- a/final_exam動作遊戲.pptx
+++ b/final_exam動作遊戲.pptx
@@ -13,6 +13,7 @@
     <p:sldId id="259" r:id="rId7"/>
     <p:sldId id="261" r:id="rId8"/>
     <p:sldId id="264" r:id="rId9"/>
+    <p:sldId id="265" r:id="rId10"/>
   </p:sldIdLst>
   <p:sldSz cx="12192000" cy="6858000"/>
   <p:notesSz cx="6858000" cy="9144000"/>
@@ -111,6 +112,11 @@
       </a:defRPr>
     </a:lvl9pPr>
   </p:defaultTextStyle>
+  <p:extLst>
+    <p:ext uri="{EFAFB233-063F-42B5-8137-9DF3F51BA10A}">
+      <p15:sldGuideLst xmlns:p15="http://schemas.microsoft.com/office/powerpoint/2012/main"/>
+    </p:ext>
+  </p:extLst>
 </p:presentation>
 </file>
 
@@ -445,7 +451,7 @@
           <a:p>
             <a:fld id="{FA6FDA53-C910-4045-854C-5EA9D3EA2C25}" type="datetimeFigureOut">
               <a:rPr lang="zh-TW" altLang="en-US" smtClean="0"/>
-              <a:t>2017/6/8</a:t>
+              <a:t>2017/6/9</a:t>
             </a:fld>
             <a:endParaRPr lang="zh-TW" altLang="en-US"/>
           </a:p>
@@ -769,7 +775,7 @@
           <a:p>
             <a:fld id="{FA6FDA53-C910-4045-854C-5EA9D3EA2C25}" type="datetimeFigureOut">
               <a:rPr lang="zh-TW" altLang="en-US" smtClean="0"/>
-              <a:t>2017/6/8</a:t>
+              <a:t>2017/6/9</a:t>
             </a:fld>
             <a:endParaRPr lang="zh-TW" altLang="en-US"/>
           </a:p>
@@ -1017,7 +1023,7 @@
           <a:p>
             <a:fld id="{FA6FDA53-C910-4045-854C-5EA9D3EA2C25}" type="datetimeFigureOut">
               <a:rPr lang="zh-TW" altLang="en-US" smtClean="0"/>
-              <a:t>2017/6/8</a:t>
+              <a:t>2017/6/9</a:t>
             </a:fld>
             <a:endParaRPr lang="zh-TW" altLang="en-US"/>
           </a:p>
@@ -1356,7 +1362,7 @@
           <a:p>
             <a:fld id="{FA6FDA53-C910-4045-854C-5EA9D3EA2C25}" type="datetimeFigureOut">
               <a:rPr lang="zh-TW" altLang="en-US" smtClean="0"/>
-              <a:t>2017/6/8</a:t>
+              <a:t>2017/6/9</a:t>
             </a:fld>
             <a:endParaRPr lang="zh-TW" altLang="en-US"/>
           </a:p>
@@ -1703,7 +1709,7 @@
           <a:p>
             <a:fld id="{FA6FDA53-C910-4045-854C-5EA9D3EA2C25}" type="datetimeFigureOut">
               <a:rPr lang="zh-TW" altLang="en-US" smtClean="0"/>
-              <a:t>2017/6/8</a:t>
+              <a:t>2017/6/9</a:t>
             </a:fld>
             <a:endParaRPr lang="zh-TW" altLang="en-US"/>
           </a:p>
@@ -2077,7 +2083,7 @@
           <a:p>
             <a:fld id="{FA6FDA53-C910-4045-854C-5EA9D3EA2C25}" type="datetimeFigureOut">
               <a:rPr lang="zh-TW" altLang="en-US" smtClean="0"/>
-              <a:t>2017/6/8</a:t>
+              <a:t>2017/6/9</a:t>
             </a:fld>
             <a:endParaRPr lang="zh-TW" altLang="en-US"/>
           </a:p>
@@ -2547,7 +2553,7 @@
           <a:p>
             <a:fld id="{FA6FDA53-C910-4045-854C-5EA9D3EA2C25}" type="datetimeFigureOut">
               <a:rPr lang="zh-TW" altLang="en-US" smtClean="0"/>
-              <a:t>2017/6/8</a:t>
+              <a:t>2017/6/9</a:t>
             </a:fld>
             <a:endParaRPr lang="zh-TW" altLang="en-US"/>
           </a:p>
@@ -2752,7 +2758,7 @@
           <a:p>
             <a:fld id="{FA6FDA53-C910-4045-854C-5EA9D3EA2C25}" type="datetimeFigureOut">
               <a:rPr lang="zh-TW" altLang="en-US" smtClean="0"/>
-              <a:t>2017/6/8</a:t>
+              <a:t>2017/6/9</a:t>
             </a:fld>
             <a:endParaRPr lang="zh-TW" altLang="en-US"/>
           </a:p>
@@ -2963,7 +2969,7 @@
           <a:p>
             <a:fld id="{FA6FDA53-C910-4045-854C-5EA9D3EA2C25}" type="datetimeFigureOut">
               <a:rPr lang="zh-TW" altLang="en-US" smtClean="0"/>
-              <a:t>2017/6/8</a:t>
+              <a:t>2017/6/9</a:t>
             </a:fld>
             <a:endParaRPr lang="zh-TW" altLang="en-US"/>
           </a:p>
@@ -3195,7 +3201,7 @@
           <a:p>
             <a:fld id="{FA6FDA53-C910-4045-854C-5EA9D3EA2C25}" type="datetimeFigureOut">
               <a:rPr lang="zh-TW" altLang="en-US" smtClean="0"/>
-              <a:t>2017/6/8</a:t>
+              <a:t>2017/6/9</a:t>
             </a:fld>
             <a:endParaRPr lang="zh-TW" altLang="en-US"/>
           </a:p>
@@ -3443,7 +3449,7 @@
           <a:p>
             <a:fld id="{FA6FDA53-C910-4045-854C-5EA9D3EA2C25}" type="datetimeFigureOut">
               <a:rPr lang="zh-TW" altLang="en-US" smtClean="0"/>
-              <a:t>2017/6/8</a:t>
+              <a:t>2017/6/9</a:t>
             </a:fld>
             <a:endParaRPr lang="zh-TW" altLang="en-US"/>
           </a:p>
@@ -3741,7 +3747,7 @@
           <a:p>
             <a:fld id="{FA6FDA53-C910-4045-854C-5EA9D3EA2C25}" type="datetimeFigureOut">
               <a:rPr lang="zh-TW" altLang="en-US" smtClean="0"/>
-              <a:t>2017/6/8</a:t>
+              <a:t>2017/6/9</a:t>
             </a:fld>
             <a:endParaRPr lang="zh-TW" altLang="en-US"/>
           </a:p>
@@ -4135,7 +4141,7 @@
           <a:p>
             <a:fld id="{FA6FDA53-C910-4045-854C-5EA9D3EA2C25}" type="datetimeFigureOut">
               <a:rPr lang="zh-TW" altLang="en-US" smtClean="0"/>
-              <a:t>2017/6/8</a:t>
+              <a:t>2017/6/9</a:t>
             </a:fld>
             <a:endParaRPr lang="zh-TW" altLang="en-US"/>
           </a:p>
@@ -4284,7 +4290,7 @@
           <a:p>
             <a:fld id="{FA6FDA53-C910-4045-854C-5EA9D3EA2C25}" type="datetimeFigureOut">
               <a:rPr lang="zh-TW" altLang="en-US" smtClean="0"/>
-              <a:t>2017/6/8</a:t>
+              <a:t>2017/6/9</a:t>
             </a:fld>
             <a:endParaRPr lang="zh-TW" altLang="en-US"/>
           </a:p>
@@ -4410,7 +4416,7 @@
           <a:p>
             <a:fld id="{FA6FDA53-C910-4045-854C-5EA9D3EA2C25}" type="datetimeFigureOut">
               <a:rPr lang="zh-TW" altLang="en-US" smtClean="0"/>
-              <a:t>2017/6/8</a:t>
+              <a:t>2017/6/9</a:t>
             </a:fld>
             <a:endParaRPr lang="zh-TW" altLang="en-US"/>
           </a:p>
@@ -4665,7 +4671,7 @@
           <a:p>
             <a:fld id="{FA6FDA53-C910-4045-854C-5EA9D3EA2C25}" type="datetimeFigureOut">
               <a:rPr lang="zh-TW" altLang="en-US" smtClean="0"/>
-              <a:t>2017/6/8</a:t>
+              <a:t>2017/6/9</a:t>
             </a:fld>
             <a:endParaRPr lang="zh-TW" altLang="en-US"/>
           </a:p>
@@ -4980,7 +4986,7 @@
           <a:p>
             <a:fld id="{FA6FDA53-C910-4045-854C-5EA9D3EA2C25}" type="datetimeFigureOut">
               <a:rPr lang="zh-TW" altLang="en-US" smtClean="0"/>
-              <a:t>2017/6/8</a:t>
+              <a:t>2017/6/9</a:t>
             </a:fld>
             <a:endParaRPr lang="zh-TW" altLang="en-US"/>
           </a:p>
@@ -5331,7 +5337,7 @@
           <a:p>
             <a:fld id="{FA6FDA53-C910-4045-854C-5EA9D3EA2C25}" type="datetimeFigureOut">
               <a:rPr lang="zh-TW" altLang="en-US" smtClean="0"/>
-              <a:t>2017/6/8</a:t>
+              <a:t>2017/6/9</a:t>
             </a:fld>
             <a:endParaRPr lang="zh-TW" altLang="en-US"/>
           </a:p>
@@ -7368,6 +7374,145 @@
 </p:sld>
 </file>
 
+<file path=ppt/slides/slide9.xml><?xml version="1.0" encoding="utf-8"?>
+<p:sld xmlns:a="http://schemas.openxmlformats.org/drawingml/2006/main" xmlns:r="http://schemas.openxmlformats.org/officeDocument/2006/relationships" xmlns:p="http://schemas.openxmlformats.org/presentationml/2006/main">
+  <p:cSld>
+    <p:spTree>
+      <p:nvGrpSpPr>
+        <p:cNvPr id="1" name=""/>
+        <p:cNvGrpSpPr/>
+        <p:nvPr/>
+      </p:nvGrpSpPr>
+      <p:grpSpPr>
+        <a:xfrm>
+          <a:off x="0" y="0"/>
+          <a:ext cx="0" cy="0"/>
+          <a:chOff x="0" y="0"/>
+          <a:chExt cx="0" cy="0"/>
+        </a:xfrm>
+      </p:grpSpPr>
+      <p:sp>
+        <p:nvSpPr>
+          <p:cNvPr id="2" name="標題 1"/>
+          <p:cNvSpPr>
+            <a:spLocks noGrp="1"/>
+          </p:cNvSpPr>
+          <p:nvPr>
+            <p:ph type="title"/>
+          </p:nvPr>
+        </p:nvSpPr>
+        <p:spPr/>
+        <p:txBody>
+          <a:bodyPr/>
+          <a:lstStyle/>
+          <a:p>
+            <a:r>
+              <a:rPr lang="zh-TW" altLang="en-US" dirty="0"/>
+              <a:t>檔案</a:t>
+            </a:r>
+          </a:p>
+        </p:txBody>
+      </p:sp>
+      <p:sp>
+        <p:nvSpPr>
+          <p:cNvPr id="3" name="內容版面配置區 2"/>
+          <p:cNvSpPr>
+            <a:spLocks noGrp="1"/>
+          </p:cNvSpPr>
+          <p:nvPr>
+            <p:ph idx="1"/>
+          </p:nvPr>
+        </p:nvSpPr>
+        <p:spPr/>
+        <p:txBody>
+          <a:bodyPr/>
+          <a:lstStyle/>
+          <a:p>
+            <a:r>
+              <a:rPr lang="en-US" altLang="zh-TW" dirty="0">
+                <a:hlinkClick r:id="rId2"/>
+              </a:rPr>
+              <a:t>https://</a:t>
+            </a:r>
+            <a:r>
+              <a:rPr lang="en-US" altLang="zh-TW" dirty="0" smtClean="0">
+                <a:hlinkClick r:id="rId2"/>
+              </a:rPr>
+              <a:t>drive.google.com/open?id=0B47lF4gxY4c8ODM4cFRjM2kzVlE</a:t>
+            </a:r>
+            <a:endParaRPr lang="en-US" altLang="zh-TW" dirty="0" smtClean="0"/>
+          </a:p>
+          <a:p>
+            <a:r>
+              <a:rPr lang="en-US" altLang="zh-TW" dirty="0">
+                <a:hlinkClick r:id="rId3"/>
+              </a:rPr>
+              <a:t>https://</a:t>
+            </a:r>
+            <a:r>
+              <a:rPr lang="en-US" altLang="zh-TW" dirty="0" smtClean="0">
+                <a:hlinkClick r:id="rId3"/>
+              </a:rPr>
+              <a:t>github.com/samsweety/final_exam</a:t>
+            </a:r>
+            <a:r>
+              <a:rPr lang="zh-TW" altLang="en-US" dirty="0" smtClean="0"/>
+              <a:t> </a:t>
+            </a:r>
+            <a:endParaRPr lang="en-US" altLang="zh-TW" dirty="0" smtClean="0"/>
+          </a:p>
+          <a:p>
+            <a:pPr marL="0" indent="0">
+              <a:buNone/>
+            </a:pPr>
+            <a:r>
+              <a:rPr lang="en-US" altLang="zh-TW" dirty="0" smtClean="0"/>
+              <a:t>(</a:t>
+            </a:r>
+            <a:r>
+              <a:rPr lang="en-US" altLang="zh-TW" dirty="0" err="1" smtClean="0"/>
+              <a:t>git</a:t>
+            </a:r>
+            <a:r>
+              <a:rPr lang="zh-TW" altLang="en-US" dirty="0" smtClean="0"/>
+              <a:t>上限</a:t>
+            </a:r>
+            <a:r>
+              <a:rPr lang="en-US" altLang="zh-TW" dirty="0" smtClean="0"/>
+              <a:t>100MB</a:t>
+            </a:r>
+            <a:r>
+              <a:rPr lang="zh-TW" altLang="en-US" dirty="0" smtClean="0"/>
+              <a:t> 部份檔案超過故以</a:t>
+            </a:r>
+            <a:r>
+              <a:rPr lang="en-US" altLang="zh-TW" dirty="0" smtClean="0"/>
+              <a:t>google</a:t>
+            </a:r>
+            <a:r>
+              <a:rPr lang="zh-TW" altLang="en-US" dirty="0" smtClean="0"/>
+              <a:t>雲端代替</a:t>
+            </a:r>
+            <a:r>
+              <a:rPr lang="en-US" altLang="zh-TW" dirty="0" smtClean="0"/>
+              <a:t>)</a:t>
+            </a:r>
+          </a:p>
+        </p:txBody>
+      </p:sp>
+    </p:spTree>
+    <p:extLst>
+      <p:ext uri="{BB962C8B-B14F-4D97-AF65-F5344CB8AC3E}">
+        <p14:creationId xmlns:p14="http://schemas.microsoft.com/office/powerpoint/2010/main" val="1328630818"/>
+      </p:ext>
+    </p:extLst>
+  </p:cSld>
+  <p:clrMapOvr>
+    <a:masterClrMapping/>
+  </p:clrMapOvr>
+</p:sld>
+</file>
+
 <file path=ppt/theme/theme1.xml><?xml version="1.0" encoding="utf-8"?>
 <a:theme xmlns:a="http://schemas.openxmlformats.org/drawingml/2006/main" name="有機">
   <a:themeElements>
